--- a/images/round_photo_me3.pptx
+++ b/images/round_photo_me3.pptx
@@ -3122,6 +3122,16 @@
           <a:prstGeom prst="ellipse">
             <a:avLst/>
           </a:prstGeom>
+          <a:ln>
+            <a:noFill/>
+          </a:ln>
+          <a:effectLst>
+            <a:outerShdw blurRad="292100" dist="139700" dir="2700000" algn="tl" rotWithShape="0">
+              <a:srgbClr val="333333">
+                <a:alpha val="65000"/>
+              </a:srgbClr>
+            </a:outerShdw>
+          </a:effectLst>
         </p:spPr>
       </p:pic>
     </p:spTree>
